--- a/CSE2021 - Programming 1/2022-10-09/2022-10-09.pptx
+++ b/CSE2021 - Programming 1/2022-10-09/2022-10-09.pptx
@@ -59,7 +59,7 @@
       <p:boldItalic r:id="rId42"/>
     </p:embeddedFont>
     <p:embeddedFont>
-      <p:font typeface="Inconsolata" pitchFamily="2" charset="0"/>
+      <p:font typeface="Inconsolata" pitchFamily="1" charset="0"/>
       <p:regular r:id="rId43"/>
       <p:bold r:id="rId44"/>
     </p:embeddedFont>
@@ -11340,7 +11340,7 @@
                 </a:solidFill>
                 <a:latin typeface="Consolas" panose="020B0609020204030204" pitchFamily="49" charset="0"/>
               </a:rPr>
-              <a:t>assert</a:t>
+              <a:t>time</a:t>
             </a:r>
             <a:r>
               <a:rPr lang="en-US" sz="1200" b="0" dirty="0" err="1">
@@ -18132,7 +18132,7 @@
                 </a:solidFill>
                 <a:latin typeface="Consolas" panose="020B0609020204030204" pitchFamily="49" charset="0"/>
               </a:rPr>
-              <a:t>assert</a:t>
+              <a:t>time</a:t>
             </a:r>
             <a:r>
               <a:rPr lang="en-US" sz="1200" b="0" dirty="0" err="1">
